--- a/1. Comparison Sorts/BubbleSort/Bubble Sort.pptx
+++ b/1. Comparison Sorts/BubbleSort/Bubble Sort.pptx
@@ -678,7 +678,7 @@
           <a:p>
             <a:fld id="{1A7B6D4B-9846-4F94-8F89-3A78A36C6699}" type="datetimeFigureOut">
               <a:rPr lang="en-US" smtClean="0"/>
-              <a:t>1/3/2022</a:t>
+              <a:t>1/6/2022</a:t>
             </a:fld>
             <a:endParaRPr lang="en-US"/>
           </a:p>
@@ -1092,7 +1092,7 @@
           <a:p>
             <a:fld id="{A2927863-7C07-483D-91FE-89CDBF9C1027}" type="datetime1">
               <a:rPr lang="en-US" smtClean="0"/>
-              <a:t>1/3/2022</a:t>
+              <a:t>1/6/2022</a:t>
             </a:fld>
             <a:endParaRPr lang="en-US"/>
           </a:p>
@@ -1162,13 +1162,13 @@
   <p:clrMapOvr>
     <a:masterClrMapping/>
   </p:clrMapOvr>
-  <mc:AlternateContent xmlns:mc="http://schemas.openxmlformats.org/markup-compatibility/2006">
-    <mc:Choice xmlns:p159="http://schemas.microsoft.com/office/powerpoint/2015/09/main" Requires="p159">
+  <mc:AlternateContent xmlns:mc="http://schemas.openxmlformats.org/markup-compatibility/2006" xmlns:p159="http://schemas.microsoft.com/office/powerpoint/2015/09/main">
+    <mc:Choice Requires="p159">
       <p:transition>
         <p159:morph option="byObject"/>
       </p:transition>
     </mc:Choice>
-    <mc:Fallback>
+    <mc:Fallback xmlns="">
       <p:transition>
         <p:fade/>
       </p:transition>
@@ -1302,7 +1302,7 @@
           <a:p>
             <a:fld id="{DE5423EA-F217-4154-BB77-A26FD3A8E9E2}" type="datetime1">
               <a:rPr lang="en-US" smtClean="0"/>
-              <a:t>1/3/2022</a:t>
+              <a:t>1/6/2022</a:t>
             </a:fld>
             <a:endParaRPr lang="en-US"/>
           </a:p>
@@ -1372,13 +1372,13 @@
   <p:clrMapOvr>
     <a:masterClrMapping/>
   </p:clrMapOvr>
-  <mc:AlternateContent xmlns:mc="http://schemas.openxmlformats.org/markup-compatibility/2006">
-    <mc:Choice xmlns:p159="http://schemas.microsoft.com/office/powerpoint/2015/09/main" Requires="p159">
+  <mc:AlternateContent xmlns:mc="http://schemas.openxmlformats.org/markup-compatibility/2006" xmlns:p159="http://schemas.microsoft.com/office/powerpoint/2015/09/main">
+    <mc:Choice Requires="p159">
       <p:transition>
         <p159:morph option="byObject"/>
       </p:transition>
     </mc:Choice>
-    <mc:Fallback>
+    <mc:Fallback xmlns="">
       <p:transition>
         <p:fade/>
       </p:transition>
@@ -1522,7 +1522,7 @@
           <a:p>
             <a:fld id="{E75CC70A-F75C-4EB6-B122-ACF619B84E21}" type="datetime1">
               <a:rPr lang="en-US" smtClean="0"/>
-              <a:t>1/3/2022</a:t>
+              <a:t>1/6/2022</a:t>
             </a:fld>
             <a:endParaRPr lang="en-US"/>
           </a:p>
@@ -1592,13 +1592,13 @@
   <p:clrMapOvr>
     <a:masterClrMapping/>
   </p:clrMapOvr>
-  <mc:AlternateContent xmlns:mc="http://schemas.openxmlformats.org/markup-compatibility/2006">
-    <mc:Choice xmlns:p159="http://schemas.microsoft.com/office/powerpoint/2015/09/main" Requires="p159">
+  <mc:AlternateContent xmlns:mc="http://schemas.openxmlformats.org/markup-compatibility/2006" xmlns:p159="http://schemas.microsoft.com/office/powerpoint/2015/09/main">
+    <mc:Choice Requires="p159">
       <p:transition>
         <p159:morph option="byObject"/>
       </p:transition>
     </mc:Choice>
-    <mc:Fallback>
+    <mc:Fallback xmlns="">
       <p:transition>
         <p:fade/>
       </p:transition>
@@ -1732,7 +1732,7 @@
           <a:p>
             <a:fld id="{2FA6B54F-C2C5-43A0-9C37-6691A562AD8B}" type="datetime1">
               <a:rPr lang="en-US" smtClean="0"/>
-              <a:t>1/3/2022</a:t>
+              <a:t>1/6/2022</a:t>
             </a:fld>
             <a:endParaRPr lang="en-US"/>
           </a:p>
@@ -1802,13 +1802,13 @@
   <p:clrMapOvr>
     <a:masterClrMapping/>
   </p:clrMapOvr>
-  <mc:AlternateContent xmlns:mc="http://schemas.openxmlformats.org/markup-compatibility/2006">
-    <mc:Choice xmlns:p159="http://schemas.microsoft.com/office/powerpoint/2015/09/main" Requires="p159">
+  <mc:AlternateContent xmlns:mc="http://schemas.openxmlformats.org/markup-compatibility/2006" xmlns:p159="http://schemas.microsoft.com/office/powerpoint/2015/09/main">
+    <mc:Choice Requires="p159">
       <p:transition>
         <p159:morph option="byObject"/>
       </p:transition>
     </mc:Choice>
-    <mc:Fallback>
+    <mc:Fallback xmlns="">
       <p:transition>
         <p:fade/>
       </p:transition>
@@ -2019,7 +2019,7 @@
           <a:p>
             <a:fld id="{3EBBDC4F-5B32-4CE5-B612-F0968B036E0C}" type="datetime1">
               <a:rPr lang="en-US" smtClean="0"/>
-              <a:t>1/3/2022</a:t>
+              <a:t>1/6/2022</a:t>
             </a:fld>
             <a:endParaRPr lang="en-US"/>
           </a:p>
@@ -2089,13 +2089,13 @@
   <p:clrMapOvr>
     <a:masterClrMapping/>
   </p:clrMapOvr>
-  <mc:AlternateContent xmlns:mc="http://schemas.openxmlformats.org/markup-compatibility/2006">
-    <mc:Choice xmlns:p159="http://schemas.microsoft.com/office/powerpoint/2015/09/main" Requires="p159">
+  <mc:AlternateContent xmlns:mc="http://schemas.openxmlformats.org/markup-compatibility/2006" xmlns:p159="http://schemas.microsoft.com/office/powerpoint/2015/09/main">
+    <mc:Choice Requires="p159">
       <p:transition>
         <p159:morph option="byObject"/>
       </p:transition>
     </mc:Choice>
-    <mc:Fallback>
+    <mc:Fallback xmlns="">
       <p:transition>
         <p:fade/>
       </p:transition>
@@ -2296,7 +2296,7 @@
           <a:p>
             <a:fld id="{61C82AD7-14D4-464F-B7BA-C00DEB30639C}" type="datetime1">
               <a:rPr lang="en-US" smtClean="0"/>
-              <a:t>1/3/2022</a:t>
+              <a:t>1/6/2022</a:t>
             </a:fld>
             <a:endParaRPr lang="en-US"/>
           </a:p>
@@ -2366,13 +2366,13 @@
   <p:clrMapOvr>
     <a:masterClrMapping/>
   </p:clrMapOvr>
-  <mc:AlternateContent xmlns:mc="http://schemas.openxmlformats.org/markup-compatibility/2006">
-    <mc:Choice xmlns:p159="http://schemas.microsoft.com/office/powerpoint/2015/09/main" Requires="p159">
+  <mc:AlternateContent xmlns:mc="http://schemas.openxmlformats.org/markup-compatibility/2006" xmlns:p159="http://schemas.microsoft.com/office/powerpoint/2015/09/main">
+    <mc:Choice Requires="p159">
       <p:transition>
         <p159:morph option="byObject"/>
       </p:transition>
     </mc:Choice>
-    <mc:Fallback>
+    <mc:Fallback xmlns="">
       <p:transition>
         <p:fade/>
       </p:transition>
@@ -2720,7 +2720,7 @@
           <a:p>
             <a:fld id="{383CCB7D-C18E-4331-90F3-2E0C7A7A2AA0}" type="datetime1">
               <a:rPr lang="en-US" smtClean="0"/>
-              <a:t>1/3/2022</a:t>
+              <a:t>1/6/2022</a:t>
             </a:fld>
             <a:endParaRPr lang="en-US"/>
           </a:p>
@@ -2790,13 +2790,13 @@
   <p:clrMapOvr>
     <a:masterClrMapping/>
   </p:clrMapOvr>
-  <mc:AlternateContent xmlns:mc="http://schemas.openxmlformats.org/markup-compatibility/2006">
-    <mc:Choice xmlns:p159="http://schemas.microsoft.com/office/powerpoint/2015/09/main" Requires="p159">
+  <mc:AlternateContent xmlns:mc="http://schemas.openxmlformats.org/markup-compatibility/2006" xmlns:p159="http://schemas.microsoft.com/office/powerpoint/2015/09/main">
+    <mc:Choice Requires="p159">
       <p:transition>
         <p159:morph option="byObject"/>
       </p:transition>
     </mc:Choice>
-    <mc:Fallback>
+    <mc:Fallback xmlns="">
       <p:transition>
         <p:fade/>
       </p:transition>
@@ -2873,7 +2873,7 @@
           <a:p>
             <a:fld id="{1379AC81-F94B-4BDA-B6D4-DE603BC3697D}" type="datetime1">
               <a:rPr lang="en-US" smtClean="0"/>
-              <a:t>1/3/2022</a:t>
+              <a:t>1/6/2022</a:t>
             </a:fld>
             <a:endParaRPr lang="en-US"/>
           </a:p>
@@ -2943,13 +2943,13 @@
   <p:clrMapOvr>
     <a:masterClrMapping/>
   </p:clrMapOvr>
-  <mc:AlternateContent xmlns:mc="http://schemas.openxmlformats.org/markup-compatibility/2006">
-    <mc:Choice xmlns:p159="http://schemas.microsoft.com/office/powerpoint/2015/09/main" Requires="p159">
+  <mc:AlternateContent xmlns:mc="http://schemas.openxmlformats.org/markup-compatibility/2006" xmlns:p159="http://schemas.microsoft.com/office/powerpoint/2015/09/main">
+    <mc:Choice Requires="p159">
       <p:transition>
         <p159:morph option="byObject"/>
       </p:transition>
     </mc:Choice>
-    <mc:Fallback>
+    <mc:Fallback xmlns="">
       <p:transition>
         <p:fade/>
       </p:transition>
@@ -2998,7 +2998,7 @@
           <a:p>
             <a:fld id="{A92520EC-5C29-4BC7-9D28-E1DAB66A174C}" type="datetime1">
               <a:rPr lang="en-US" smtClean="0"/>
-              <a:t>1/3/2022</a:t>
+              <a:t>1/6/2022</a:t>
             </a:fld>
             <a:endParaRPr lang="en-US"/>
           </a:p>
@@ -3068,13 +3068,13 @@
   <p:clrMapOvr>
     <a:masterClrMapping/>
   </p:clrMapOvr>
-  <mc:AlternateContent xmlns:mc="http://schemas.openxmlformats.org/markup-compatibility/2006">
-    <mc:Choice xmlns:p159="http://schemas.microsoft.com/office/powerpoint/2015/09/main" Requires="p159">
+  <mc:AlternateContent xmlns:mc="http://schemas.openxmlformats.org/markup-compatibility/2006" xmlns:p159="http://schemas.microsoft.com/office/powerpoint/2015/09/main">
+    <mc:Choice Requires="p159">
       <p:transition>
         <p159:morph option="byObject"/>
       </p:transition>
     </mc:Choice>
-    <mc:Fallback>
+    <mc:Fallback xmlns="">
       <p:transition>
         <p:fade/>
       </p:transition>
@@ -3321,7 +3321,7 @@
           <a:p>
             <a:fld id="{9DF744C3-4FA0-4B29-8DDB-31ECCA65D064}" type="datetime1">
               <a:rPr lang="en-US" smtClean="0"/>
-              <a:t>1/3/2022</a:t>
+              <a:t>1/6/2022</a:t>
             </a:fld>
             <a:endParaRPr lang="en-US"/>
           </a:p>
@@ -3391,13 +3391,13 @@
   <p:clrMapOvr>
     <a:masterClrMapping/>
   </p:clrMapOvr>
-  <mc:AlternateContent xmlns:mc="http://schemas.openxmlformats.org/markup-compatibility/2006">
-    <mc:Choice xmlns:p159="http://schemas.microsoft.com/office/powerpoint/2015/09/main" Requires="p159">
+  <mc:AlternateContent xmlns:mc="http://schemas.openxmlformats.org/markup-compatibility/2006" xmlns:p159="http://schemas.microsoft.com/office/powerpoint/2015/09/main">
+    <mc:Choice Requires="p159">
       <p:transition>
         <p159:morph option="byObject"/>
       </p:transition>
     </mc:Choice>
-    <mc:Fallback>
+    <mc:Fallback xmlns="">
       <p:transition>
         <p:fade/>
       </p:transition>
@@ -3621,7 +3621,7 @@
           <a:p>
             <a:fld id="{CE2FFA7A-B5DA-424E-9EBF-731C3D4D36A6}" type="datetime1">
               <a:rPr lang="en-US" smtClean="0"/>
-              <a:t>1/3/2022</a:t>
+              <a:t>1/6/2022</a:t>
             </a:fld>
             <a:endParaRPr lang="en-US"/>
           </a:p>
@@ -3691,13 +3691,13 @@
   <p:clrMapOvr>
     <a:masterClrMapping/>
   </p:clrMapOvr>
-  <mc:AlternateContent xmlns:mc="http://schemas.openxmlformats.org/markup-compatibility/2006">
-    <mc:Choice xmlns:p159="http://schemas.microsoft.com/office/powerpoint/2015/09/main" Requires="p159">
+  <mc:AlternateContent xmlns:mc="http://schemas.openxmlformats.org/markup-compatibility/2006" xmlns:p159="http://schemas.microsoft.com/office/powerpoint/2015/09/main">
+    <mc:Choice Requires="p159">
       <p:transition>
         <p159:morph option="byObject"/>
       </p:transition>
     </mc:Choice>
-    <mc:Fallback>
+    <mc:Fallback xmlns="">
       <p:transition>
         <p:fade/>
       </p:transition>
@@ -3874,7 +3874,7 @@
           <a:p>
             <a:fld id="{973F5292-67BE-4C29-84F3-CE1DB2DA3D8F}" type="datetime1">
               <a:rPr lang="en-US" smtClean="0"/>
-              <a:t>1/3/2022</a:t>
+              <a:t>1/6/2022</a:t>
             </a:fld>
             <a:endParaRPr lang="en-US"/>
           </a:p>
@@ -3991,13 +3991,13 @@
     <p:sldLayoutId id="2147483897" r:id="rId10"/>
     <p:sldLayoutId id="2147483898" r:id="rId11"/>
   </p:sldLayoutIdLst>
-  <mc:AlternateContent xmlns:mc="http://schemas.openxmlformats.org/markup-compatibility/2006">
-    <mc:Choice xmlns:p159="http://schemas.microsoft.com/office/powerpoint/2015/09/main" Requires="p159">
+  <mc:AlternateContent xmlns:mc="http://schemas.openxmlformats.org/markup-compatibility/2006" xmlns:p159="http://schemas.microsoft.com/office/powerpoint/2015/09/main">
+    <mc:Choice Requires="p159">
       <p:transition>
         <p159:morph option="byObject"/>
       </p:transition>
     </mc:Choice>
-    <mc:Fallback>
+    <mc:Fallback xmlns="">
       <p:transition>
         <p:fade/>
       </p:transition>
@@ -4513,13 +4513,13 @@
   <p:clrMapOvr>
     <a:masterClrMapping/>
   </p:clrMapOvr>
-  <mc:AlternateContent xmlns:mc="http://schemas.openxmlformats.org/markup-compatibility/2006">
-    <mc:Choice xmlns:p159="http://schemas.microsoft.com/office/powerpoint/2015/09/main" Requires="p159">
+  <mc:AlternateContent xmlns:mc="http://schemas.openxmlformats.org/markup-compatibility/2006" xmlns:p159="http://schemas.microsoft.com/office/powerpoint/2015/09/main">
+    <mc:Choice Requires="p159">
       <p:transition>
         <p159:morph option="byObject"/>
       </p:transition>
     </mc:Choice>
-    <mc:Fallback>
+    <mc:Fallback xmlns="">
       <p:transition>
         <p:fade/>
       </p:transition>
@@ -5866,13 +5866,13 @@
   <p:clrMapOvr>
     <a:masterClrMapping/>
   </p:clrMapOvr>
-  <mc:AlternateContent xmlns:mc="http://schemas.openxmlformats.org/markup-compatibility/2006">
-    <mc:Choice xmlns:p159="http://schemas.microsoft.com/office/powerpoint/2015/09/main" Requires="p159">
+  <mc:AlternateContent xmlns:mc="http://schemas.openxmlformats.org/markup-compatibility/2006" xmlns:p159="http://schemas.microsoft.com/office/powerpoint/2015/09/main">
+    <mc:Choice Requires="p159">
       <p:transition>
         <p159:morph option="byObject"/>
       </p:transition>
     </mc:Choice>
-    <mc:Fallback>
+    <mc:Fallback xmlns="">
       <p:transition>
         <p:fade/>
       </p:transition>
@@ -7203,13 +7203,13 @@
   <p:clrMapOvr>
     <a:masterClrMapping/>
   </p:clrMapOvr>
-  <mc:AlternateContent xmlns:mc="http://schemas.openxmlformats.org/markup-compatibility/2006">
-    <mc:Choice xmlns:p159="http://schemas.microsoft.com/office/powerpoint/2015/09/main" Requires="p159">
+  <mc:AlternateContent xmlns:mc="http://schemas.openxmlformats.org/markup-compatibility/2006" xmlns:p159="http://schemas.microsoft.com/office/powerpoint/2015/09/main">
+    <mc:Choice Requires="p159">
       <p:transition>
         <p159:morph option="byObject"/>
       </p:transition>
     </mc:Choice>
-    <mc:Fallback>
+    <mc:Fallback xmlns="">
       <p:transition>
         <p:fade/>
       </p:transition>
@@ -8417,13 +8417,13 @@
   <p:clrMapOvr>
     <a:masterClrMapping/>
   </p:clrMapOvr>
-  <mc:AlternateContent xmlns:mc="http://schemas.openxmlformats.org/markup-compatibility/2006">
-    <mc:Choice xmlns:p159="http://schemas.microsoft.com/office/powerpoint/2015/09/main" Requires="p159">
+  <mc:AlternateContent xmlns:mc="http://schemas.openxmlformats.org/markup-compatibility/2006" xmlns:p159="http://schemas.microsoft.com/office/powerpoint/2015/09/main">
+    <mc:Choice Requires="p159">
       <p:transition>
         <p159:morph option="byObject"/>
       </p:transition>
     </mc:Choice>
-    <mc:Fallback>
+    <mc:Fallback xmlns="">
       <p:transition>
         <p:fade/>
       </p:transition>
@@ -9762,13 +9762,13 @@
   <p:clrMapOvr>
     <a:masterClrMapping/>
   </p:clrMapOvr>
-  <mc:AlternateContent xmlns:mc="http://schemas.openxmlformats.org/markup-compatibility/2006">
-    <mc:Choice xmlns:p159="http://schemas.microsoft.com/office/powerpoint/2015/09/main" Requires="p159">
+  <mc:AlternateContent xmlns:mc="http://schemas.openxmlformats.org/markup-compatibility/2006" xmlns:p159="http://schemas.microsoft.com/office/powerpoint/2015/09/main">
+    <mc:Choice Requires="p159">
       <p:transition>
         <p159:morph option="byObject"/>
       </p:transition>
     </mc:Choice>
-    <mc:Fallback>
+    <mc:Fallback xmlns="">
       <p:transition>
         <p:fade/>
       </p:transition>
@@ -10862,13 +10862,13 @@
   <p:clrMapOvr>
     <a:masterClrMapping/>
   </p:clrMapOvr>
-  <mc:AlternateContent xmlns:mc="http://schemas.openxmlformats.org/markup-compatibility/2006">
-    <mc:Choice xmlns:p159="http://schemas.microsoft.com/office/powerpoint/2015/09/main" Requires="p159">
+  <mc:AlternateContent xmlns:mc="http://schemas.openxmlformats.org/markup-compatibility/2006" xmlns:p159="http://schemas.microsoft.com/office/powerpoint/2015/09/main">
+    <mc:Choice Requires="p159">
       <p:transition>
         <p159:morph option="byObject"/>
       </p:transition>
     </mc:Choice>
-    <mc:Fallback>
+    <mc:Fallback xmlns="">
       <p:transition>
         <p:fade/>
       </p:transition>
@@ -12054,13 +12054,13 @@
   <p:clrMapOvr>
     <a:masterClrMapping/>
   </p:clrMapOvr>
-  <mc:AlternateContent xmlns:mc="http://schemas.openxmlformats.org/markup-compatibility/2006">
-    <mc:Choice xmlns:p159="http://schemas.microsoft.com/office/powerpoint/2015/09/main" Requires="p159">
+  <mc:AlternateContent xmlns:mc="http://schemas.openxmlformats.org/markup-compatibility/2006" xmlns:p159="http://schemas.microsoft.com/office/powerpoint/2015/09/main">
+    <mc:Choice Requires="p159">
       <p:transition>
         <p159:morph option="byObject"/>
       </p:transition>
     </mc:Choice>
-    <mc:Fallback>
+    <mc:Fallback xmlns="">
       <p:transition>
         <p:fade/>
       </p:transition>
@@ -13256,13 +13256,13 @@
   <p:clrMapOvr>
     <a:masterClrMapping/>
   </p:clrMapOvr>
-  <mc:AlternateContent xmlns:mc="http://schemas.openxmlformats.org/markup-compatibility/2006">
-    <mc:Choice xmlns:p159="http://schemas.microsoft.com/office/powerpoint/2015/09/main" Requires="p159">
+  <mc:AlternateContent xmlns:mc="http://schemas.openxmlformats.org/markup-compatibility/2006" xmlns:p159="http://schemas.microsoft.com/office/powerpoint/2015/09/main">
+    <mc:Choice Requires="p159">
       <p:transition>
         <p159:morph option="byObject"/>
       </p:transition>
     </mc:Choice>
-    <mc:Fallback>
+    <mc:Fallback xmlns="">
       <p:transition>
         <p:fade/>
       </p:transition>
@@ -14472,13 +14472,13 @@
   <p:clrMapOvr>
     <a:masterClrMapping/>
   </p:clrMapOvr>
-  <mc:AlternateContent xmlns:mc="http://schemas.openxmlformats.org/markup-compatibility/2006">
-    <mc:Choice xmlns:p159="http://schemas.microsoft.com/office/powerpoint/2015/09/main" Requires="p159">
+  <mc:AlternateContent xmlns:mc="http://schemas.openxmlformats.org/markup-compatibility/2006" xmlns:p159="http://schemas.microsoft.com/office/powerpoint/2015/09/main">
+    <mc:Choice Requires="p159">
       <p:transition>
         <p159:morph option="byObject"/>
       </p:transition>
     </mc:Choice>
-    <mc:Fallback>
+    <mc:Fallback xmlns="">
       <p:transition>
         <p:fade/>
       </p:transition>
@@ -15805,13 +15805,13 @@
   <p:clrMapOvr>
     <a:masterClrMapping/>
   </p:clrMapOvr>
-  <mc:AlternateContent xmlns:mc="http://schemas.openxmlformats.org/markup-compatibility/2006">
-    <mc:Choice xmlns:p159="http://schemas.microsoft.com/office/powerpoint/2015/09/main" Requires="p159">
+  <mc:AlternateContent xmlns:mc="http://schemas.openxmlformats.org/markup-compatibility/2006" xmlns:p159="http://schemas.microsoft.com/office/powerpoint/2015/09/main">
+    <mc:Choice Requires="p159">
       <p:transition>
         <p159:morph option="byObject"/>
       </p:transition>
     </mc:Choice>
-    <mc:Fallback>
+    <mc:Fallback xmlns="">
       <p:transition>
         <p:fade/>
       </p:transition>
@@ -17023,13 +17023,13 @@
   <p:clrMapOvr>
     <a:masterClrMapping/>
   </p:clrMapOvr>
-  <mc:AlternateContent xmlns:mc="http://schemas.openxmlformats.org/markup-compatibility/2006">
-    <mc:Choice xmlns:p159="http://schemas.microsoft.com/office/powerpoint/2015/09/main" Requires="p159">
+  <mc:AlternateContent xmlns:mc="http://schemas.openxmlformats.org/markup-compatibility/2006" xmlns:p159="http://schemas.microsoft.com/office/powerpoint/2015/09/main">
+    <mc:Choice Requires="p159">
       <p:transition>
         <p159:morph option="byObject"/>
       </p:transition>
     </mc:Choice>
-    <mc:Fallback>
+    <mc:Fallback xmlns="">
       <p:transition>
         <p:fade/>
       </p:transition>
@@ -17256,13 +17256,13 @@
   <p:clrMapOvr>
     <a:masterClrMapping/>
   </p:clrMapOvr>
-  <mc:AlternateContent xmlns:mc="http://schemas.openxmlformats.org/markup-compatibility/2006">
-    <mc:Choice xmlns:p159="http://schemas.microsoft.com/office/powerpoint/2015/09/main" Requires="p159">
+  <mc:AlternateContent xmlns:mc="http://schemas.openxmlformats.org/markup-compatibility/2006" xmlns:p159="http://schemas.microsoft.com/office/powerpoint/2015/09/main">
+    <mc:Choice Requires="p159">
       <p:transition>
         <p159:morph option="byObject"/>
       </p:transition>
     </mc:Choice>
-    <mc:Fallback>
+    <mc:Fallback xmlns="">
       <p:transition>
         <p:fade/>
       </p:transition>
@@ -18597,13 +18597,13 @@
   <p:clrMapOvr>
     <a:masterClrMapping/>
   </p:clrMapOvr>
-  <mc:AlternateContent xmlns:mc="http://schemas.openxmlformats.org/markup-compatibility/2006">
-    <mc:Choice xmlns:p159="http://schemas.microsoft.com/office/powerpoint/2015/09/main" Requires="p159">
+  <mc:AlternateContent xmlns:mc="http://schemas.openxmlformats.org/markup-compatibility/2006" xmlns:p159="http://schemas.microsoft.com/office/powerpoint/2015/09/main">
+    <mc:Choice Requires="p159">
       <p:transition>
         <p159:morph option="byObject"/>
       </p:transition>
     </mc:Choice>
-    <mc:Fallback>
+    <mc:Fallback xmlns="">
       <p:transition>
         <p:fade/>
       </p:transition>
@@ -19699,13 +19699,13 @@
   <p:clrMapOvr>
     <a:masterClrMapping/>
   </p:clrMapOvr>
-  <mc:AlternateContent xmlns:mc="http://schemas.openxmlformats.org/markup-compatibility/2006">
-    <mc:Choice xmlns:p159="http://schemas.microsoft.com/office/powerpoint/2015/09/main" Requires="p159">
+  <mc:AlternateContent xmlns:mc="http://schemas.openxmlformats.org/markup-compatibility/2006" xmlns:p159="http://schemas.microsoft.com/office/powerpoint/2015/09/main">
+    <mc:Choice Requires="p159">
       <p:transition>
         <p159:morph option="byObject"/>
       </p:transition>
     </mc:Choice>
-    <mc:Fallback>
+    <mc:Fallback xmlns="">
       <p:transition>
         <p:fade/>
       </p:transition>
@@ -20899,13 +20899,13 @@
   <p:clrMapOvr>
     <a:masterClrMapping/>
   </p:clrMapOvr>
-  <mc:AlternateContent xmlns:mc="http://schemas.openxmlformats.org/markup-compatibility/2006">
-    <mc:Choice xmlns:p159="http://schemas.microsoft.com/office/powerpoint/2015/09/main" Requires="p159">
+  <mc:AlternateContent xmlns:mc="http://schemas.openxmlformats.org/markup-compatibility/2006" xmlns:p159="http://schemas.microsoft.com/office/powerpoint/2015/09/main">
+    <mc:Choice Requires="p159">
       <p:transition>
         <p159:morph option="byObject"/>
       </p:transition>
     </mc:Choice>
-    <mc:Fallback>
+    <mc:Fallback xmlns="">
       <p:transition>
         <p:fade/>
       </p:transition>
@@ -22109,13 +22109,13 @@
   <p:clrMapOvr>
     <a:masterClrMapping/>
   </p:clrMapOvr>
-  <mc:AlternateContent xmlns:mc="http://schemas.openxmlformats.org/markup-compatibility/2006">
-    <mc:Choice xmlns:p159="http://schemas.microsoft.com/office/powerpoint/2015/09/main" Requires="p159">
+  <mc:AlternateContent xmlns:mc="http://schemas.openxmlformats.org/markup-compatibility/2006" xmlns:p159="http://schemas.microsoft.com/office/powerpoint/2015/09/main">
+    <mc:Choice Requires="p159">
       <p:transition>
         <p159:morph option="byObject"/>
       </p:transition>
     </mc:Choice>
-    <mc:Fallback>
+    <mc:Fallback xmlns="">
       <p:transition>
         <p:fade/>
       </p:transition>
@@ -23442,13 +23442,13 @@
   <p:clrMapOvr>
     <a:masterClrMapping/>
   </p:clrMapOvr>
-  <mc:AlternateContent xmlns:mc="http://schemas.openxmlformats.org/markup-compatibility/2006">
-    <mc:Choice xmlns:p159="http://schemas.microsoft.com/office/powerpoint/2015/09/main" Requires="p159">
+  <mc:AlternateContent xmlns:mc="http://schemas.openxmlformats.org/markup-compatibility/2006" xmlns:p159="http://schemas.microsoft.com/office/powerpoint/2015/09/main">
+    <mc:Choice Requires="p159">
       <p:transition>
         <p159:morph option="byObject"/>
       </p:transition>
     </mc:Choice>
-    <mc:Fallback>
+    <mc:Fallback xmlns="">
       <p:transition>
         <p:fade/>
       </p:transition>
@@ -24769,13 +24769,13 @@
   <p:clrMapOvr>
     <a:masterClrMapping/>
   </p:clrMapOvr>
-  <mc:AlternateContent xmlns:mc="http://schemas.openxmlformats.org/markup-compatibility/2006">
-    <mc:Choice xmlns:p159="http://schemas.microsoft.com/office/powerpoint/2015/09/main" Requires="p159">
+  <mc:AlternateContent xmlns:mc="http://schemas.openxmlformats.org/markup-compatibility/2006" xmlns:p159="http://schemas.microsoft.com/office/powerpoint/2015/09/main">
+    <mc:Choice Requires="p159">
       <p:transition>
         <p159:morph option="byObject"/>
       </p:transition>
     </mc:Choice>
-    <mc:Fallback>
+    <mc:Fallback xmlns="">
       <p:transition>
         <p:fade/>
       </p:transition>
@@ -25987,13 +25987,13 @@
   <p:clrMapOvr>
     <a:masterClrMapping/>
   </p:clrMapOvr>
-  <mc:AlternateContent xmlns:mc="http://schemas.openxmlformats.org/markup-compatibility/2006">
-    <mc:Choice xmlns:p159="http://schemas.microsoft.com/office/powerpoint/2015/09/main" Requires="p159">
+  <mc:AlternateContent xmlns:mc="http://schemas.openxmlformats.org/markup-compatibility/2006" xmlns:p159="http://schemas.microsoft.com/office/powerpoint/2015/09/main">
+    <mc:Choice Requires="p159">
       <p:transition>
         <p159:morph option="byObject"/>
       </p:transition>
     </mc:Choice>
-    <mc:Fallback>
+    <mc:Fallback xmlns="">
       <p:transition>
         <p:fade/>
       </p:transition>
@@ -27097,13 +27097,13 @@
   <p:clrMapOvr>
     <a:masterClrMapping/>
   </p:clrMapOvr>
-  <mc:AlternateContent xmlns:mc="http://schemas.openxmlformats.org/markup-compatibility/2006">
-    <mc:Choice xmlns:p159="http://schemas.microsoft.com/office/powerpoint/2015/09/main" Requires="p159">
+  <mc:AlternateContent xmlns:mc="http://schemas.openxmlformats.org/markup-compatibility/2006" xmlns:p159="http://schemas.microsoft.com/office/powerpoint/2015/09/main">
+    <mc:Choice Requires="p159">
       <p:transition>
         <p159:morph option="byObject"/>
       </p:transition>
     </mc:Choice>
-    <mc:Fallback>
+    <mc:Fallback xmlns="">
       <p:transition>
         <p:fade/>
       </p:transition>
@@ -28305,13 +28305,13 @@
   <p:clrMapOvr>
     <a:masterClrMapping/>
   </p:clrMapOvr>
-  <mc:AlternateContent xmlns:mc="http://schemas.openxmlformats.org/markup-compatibility/2006">
-    <mc:Choice xmlns:p159="http://schemas.microsoft.com/office/powerpoint/2015/09/main" Requires="p159">
+  <mc:AlternateContent xmlns:mc="http://schemas.openxmlformats.org/markup-compatibility/2006" xmlns:p159="http://schemas.microsoft.com/office/powerpoint/2015/09/main">
+    <mc:Choice Requires="p159">
       <p:transition>
         <p159:morph option="byObject"/>
       </p:transition>
     </mc:Choice>
-    <mc:Fallback>
+    <mc:Fallback xmlns="">
       <p:transition>
         <p:fade/>
       </p:transition>
@@ -29523,13 +29523,13 @@
   <p:clrMapOvr>
     <a:masterClrMapping/>
   </p:clrMapOvr>
-  <mc:AlternateContent xmlns:mc="http://schemas.openxmlformats.org/markup-compatibility/2006">
-    <mc:Choice xmlns:p159="http://schemas.microsoft.com/office/powerpoint/2015/09/main" Requires="p159">
+  <mc:AlternateContent xmlns:mc="http://schemas.openxmlformats.org/markup-compatibility/2006" xmlns:p159="http://schemas.microsoft.com/office/powerpoint/2015/09/main">
+    <mc:Choice Requires="p159">
       <p:transition>
         <p159:morph option="byObject"/>
       </p:transition>
     </mc:Choice>
-    <mc:Fallback>
+    <mc:Fallback xmlns="">
       <p:transition>
         <p:fade/>
       </p:transition>
@@ -30313,13 +30313,13 @@
   <p:clrMapOvr>
     <a:masterClrMapping/>
   </p:clrMapOvr>
-  <mc:AlternateContent xmlns:mc="http://schemas.openxmlformats.org/markup-compatibility/2006">
-    <mc:Choice xmlns:p159="http://schemas.microsoft.com/office/powerpoint/2015/09/main" Requires="p159">
+  <mc:AlternateContent xmlns:mc="http://schemas.openxmlformats.org/markup-compatibility/2006" xmlns:p159="http://schemas.microsoft.com/office/powerpoint/2015/09/main">
+    <mc:Choice Requires="p159">
       <p:transition>
         <p159:morph option="byObject"/>
       </p:transition>
     </mc:Choice>
-    <mc:Fallback>
+    <mc:Fallback xmlns="">
       <p:transition>
         <p:fade/>
       </p:transition>
@@ -31431,13 +31431,13 @@
   <p:clrMapOvr>
     <a:masterClrMapping/>
   </p:clrMapOvr>
-  <mc:AlternateContent xmlns:mc="http://schemas.openxmlformats.org/markup-compatibility/2006">
-    <mc:Choice xmlns:p159="http://schemas.microsoft.com/office/powerpoint/2015/09/main" Requires="p159">
+  <mc:AlternateContent xmlns:mc="http://schemas.openxmlformats.org/markup-compatibility/2006" xmlns:p159="http://schemas.microsoft.com/office/powerpoint/2015/09/main">
+    <mc:Choice Requires="p159">
       <p:transition>
         <p159:morph option="byObject"/>
       </p:transition>
     </mc:Choice>
-    <mc:Fallback>
+    <mc:Fallback xmlns="">
       <p:transition>
         <p:fade/>
       </p:transition>
@@ -32647,13 +32647,13 @@
   <p:clrMapOvr>
     <a:masterClrMapping/>
   </p:clrMapOvr>
-  <mc:AlternateContent xmlns:mc="http://schemas.openxmlformats.org/markup-compatibility/2006">
-    <mc:Choice xmlns:p159="http://schemas.microsoft.com/office/powerpoint/2015/09/main" Requires="p159">
+  <mc:AlternateContent xmlns:mc="http://schemas.openxmlformats.org/markup-compatibility/2006" xmlns:p159="http://schemas.microsoft.com/office/powerpoint/2015/09/main">
+    <mc:Choice Requires="p159">
       <p:transition>
         <p159:morph option="byObject"/>
       </p:transition>
     </mc:Choice>
-    <mc:Fallback>
+    <mc:Fallback xmlns="">
       <p:transition>
         <p:fade/>
       </p:transition>
@@ -33682,13 +33682,13 @@
   <p:clrMapOvr>
     <a:masterClrMapping/>
   </p:clrMapOvr>
-  <mc:AlternateContent xmlns:mc="http://schemas.openxmlformats.org/markup-compatibility/2006">
-    <mc:Choice xmlns:p159="http://schemas.microsoft.com/office/powerpoint/2015/09/main" Requires="p159">
+  <mc:AlternateContent xmlns:mc="http://schemas.openxmlformats.org/markup-compatibility/2006" xmlns:p159="http://schemas.microsoft.com/office/powerpoint/2015/09/main">
+    <mc:Choice Requires="p159">
       <p:transition>
         <p159:morph option="byObject"/>
       </p:transition>
     </mc:Choice>
-    <mc:Fallback>
+    <mc:Fallback xmlns="">
       <p:transition>
         <p:fade/>
       </p:transition>
@@ -33935,8 +33935,8 @@
           </a:prstGeom>
         </p:spPr>
       </p:pic>
-      <mc:AlternateContent xmlns:mc="http://schemas.openxmlformats.org/markup-compatibility/2006">
-        <mc:Choice xmlns:a14="http://schemas.microsoft.com/office/drawing/2010/main" Requires="a14">
+      <mc:AlternateContent xmlns:mc="http://schemas.openxmlformats.org/markup-compatibility/2006" xmlns:a14="http://schemas.microsoft.com/office/drawing/2010/main">
+        <mc:Choice Requires="a14">
           <p:sp>
             <p:nvSpPr>
               <p:cNvPr id="11" name="Content Placeholder 5">
@@ -34826,7 +34826,7 @@
             </p:txBody>
           </p:sp>
         </mc:Choice>
-        <mc:Fallback>
+        <mc:Fallback xmlns="">
           <p:sp>
             <p:nvSpPr>
               <p:cNvPr id="11" name="Content Placeholder 5">
@@ -34922,13 +34922,13 @@
   <p:clrMapOvr>
     <a:masterClrMapping/>
   </p:clrMapOvr>
-  <mc:AlternateContent xmlns:mc="http://schemas.openxmlformats.org/markup-compatibility/2006">
-    <mc:Choice xmlns:p159="http://schemas.microsoft.com/office/powerpoint/2015/09/main" Requires="p159">
+  <mc:AlternateContent xmlns:mc="http://schemas.openxmlformats.org/markup-compatibility/2006" xmlns:p159="http://schemas.microsoft.com/office/powerpoint/2015/09/main">
+    <mc:Choice Requires="p159">
       <p:transition>
         <p159:morph option="byObject"/>
       </p:transition>
     </mc:Choice>
-    <mc:Fallback>
+    <mc:Fallback xmlns="">
       <p:transition>
         <p:fade/>
       </p:transition>
@@ -35161,13 +35161,13 @@
   <p:clrMapOvr>
     <a:masterClrMapping/>
   </p:clrMapOvr>
-  <mc:AlternateContent xmlns:mc="http://schemas.openxmlformats.org/markup-compatibility/2006">
-    <mc:Choice xmlns:p159="http://schemas.microsoft.com/office/powerpoint/2015/09/main" Requires="p159">
+  <mc:AlternateContent xmlns:mc="http://schemas.openxmlformats.org/markup-compatibility/2006" xmlns:p159="http://schemas.microsoft.com/office/powerpoint/2015/09/main">
+    <mc:Choice Requires="p159">
       <p:transition>
         <p159:morph option="byObject"/>
       </p:transition>
     </mc:Choice>
-    <mc:Fallback>
+    <mc:Fallback xmlns="">
       <p:transition>
         <p:fade/>
       </p:transition>
@@ -36346,13 +36346,13 @@
   <p:clrMapOvr>
     <a:masterClrMapping/>
   </p:clrMapOvr>
-  <mc:AlternateContent xmlns:mc="http://schemas.openxmlformats.org/markup-compatibility/2006">
-    <mc:Choice xmlns:p159="http://schemas.microsoft.com/office/powerpoint/2015/09/main" Requires="p159">
+  <mc:AlternateContent xmlns:mc="http://schemas.openxmlformats.org/markup-compatibility/2006" xmlns:p159="http://schemas.microsoft.com/office/powerpoint/2015/09/main">
+    <mc:Choice Requires="p159">
       <p:transition>
         <p159:morph option="byObject"/>
       </p:transition>
     </mc:Choice>
-    <mc:Fallback>
+    <mc:Fallback xmlns="">
       <p:transition>
         <p:fade/>
       </p:transition>
@@ -37537,13 +37537,13 @@
   <p:clrMapOvr>
     <a:masterClrMapping/>
   </p:clrMapOvr>
-  <mc:AlternateContent xmlns:mc="http://schemas.openxmlformats.org/markup-compatibility/2006">
-    <mc:Choice xmlns:p159="http://schemas.microsoft.com/office/powerpoint/2015/09/main" Requires="p159">
+  <mc:AlternateContent xmlns:mc="http://schemas.openxmlformats.org/markup-compatibility/2006" xmlns:p159="http://schemas.microsoft.com/office/powerpoint/2015/09/main">
+    <mc:Choice Requires="p159">
       <p:transition>
         <p159:morph option="byObject"/>
       </p:transition>
     </mc:Choice>
-    <mc:Fallback>
+    <mc:Fallback xmlns="">
       <p:transition>
         <p:fade/>
       </p:transition>
@@ -38735,13 +38735,13 @@
   <p:clrMapOvr>
     <a:masterClrMapping/>
   </p:clrMapOvr>
-  <mc:AlternateContent xmlns:mc="http://schemas.openxmlformats.org/markup-compatibility/2006">
-    <mc:Choice xmlns:p159="http://schemas.microsoft.com/office/powerpoint/2015/09/main" Requires="p159">
+  <mc:AlternateContent xmlns:mc="http://schemas.openxmlformats.org/markup-compatibility/2006" xmlns:p159="http://schemas.microsoft.com/office/powerpoint/2015/09/main">
+    <mc:Choice Requires="p159">
       <p:transition>
         <p159:morph option="byObject"/>
       </p:transition>
     </mc:Choice>
-    <mc:Fallback>
+    <mc:Fallback xmlns="">
       <p:transition>
         <p:fade/>
       </p:transition>
@@ -40056,13 +40056,13 @@
   <p:clrMapOvr>
     <a:masterClrMapping/>
   </p:clrMapOvr>
-  <mc:AlternateContent xmlns:mc="http://schemas.openxmlformats.org/markup-compatibility/2006">
-    <mc:Choice xmlns:p159="http://schemas.microsoft.com/office/powerpoint/2015/09/main" Requires="p159">
+  <mc:AlternateContent xmlns:mc="http://schemas.openxmlformats.org/markup-compatibility/2006" xmlns:p159="http://schemas.microsoft.com/office/powerpoint/2015/09/main">
+    <mc:Choice Requires="p159">
       <p:transition>
         <p159:morph option="byObject"/>
       </p:transition>
     </mc:Choice>
-    <mc:Fallback>
+    <mc:Fallback xmlns="">
       <p:transition>
         <p:fade/>
       </p:transition>
@@ -41262,13 +41262,13 @@
   <p:clrMapOvr>
     <a:masterClrMapping/>
   </p:clrMapOvr>
-  <mc:AlternateContent xmlns:mc="http://schemas.openxmlformats.org/markup-compatibility/2006">
-    <mc:Choice xmlns:p159="http://schemas.microsoft.com/office/powerpoint/2015/09/main" Requires="p159">
+  <mc:AlternateContent xmlns:mc="http://schemas.openxmlformats.org/markup-compatibility/2006" xmlns:p159="http://schemas.microsoft.com/office/powerpoint/2015/09/main">
+    <mc:Choice Requires="p159">
       <p:transition>
         <p159:morph option="byObject"/>
       </p:transition>
     </mc:Choice>
-    <mc:Fallback>
+    <mc:Fallback xmlns="">
       <p:transition>
         <p:fade/>
       </p:transition>
@@ -42591,13 +42591,13 @@
   <p:clrMapOvr>
     <a:masterClrMapping/>
   </p:clrMapOvr>
-  <mc:AlternateContent xmlns:mc="http://schemas.openxmlformats.org/markup-compatibility/2006">
-    <mc:Choice xmlns:p159="http://schemas.microsoft.com/office/powerpoint/2015/09/main" Requires="p159">
+  <mc:AlternateContent xmlns:mc="http://schemas.openxmlformats.org/markup-compatibility/2006" xmlns:p159="http://schemas.microsoft.com/office/powerpoint/2015/09/main">
+    <mc:Choice Requires="p159">
       <p:transition>
         <p159:morph option="byObject"/>
       </p:transition>
     </mc:Choice>
-    <mc:Fallback>
+    <mc:Fallback xmlns="">
       <p:transition>
         <p:fade/>
       </p:transition>
